--- a/presentations/fig_present.pptx
+++ b/presentations/fig_present.pptx
@@ -34521,7 +34521,7 @@
           <a:p>
             <a:fld id="{3981C77A-BC7A-41FC-BC54-1CD46555234D}" type="datetimeFigureOut">
               <a:rPr lang="en-US" smtClean="0"/>
-              <a:t>10/24/2022</a:t>
+              <a:t>10/27/2022</a:t>
             </a:fld>
             <a:endParaRPr lang="en-US"/>
           </a:p>
@@ -34935,7 +34935,7 @@
           <a:p>
             <a:fld id="{74D715C6-21B4-441D-8F6F-D1EAF0972C7B}" type="datetimeFigureOut">
               <a:rPr lang="en-US" smtClean="0"/>
-              <a:t>10/24/2022</a:t>
+              <a:t>10/27/2022</a:t>
             </a:fld>
             <a:endParaRPr lang="en-US"/>
           </a:p>
@@ -35133,7 +35133,7 @@
           <a:p>
             <a:fld id="{74D715C6-21B4-441D-8F6F-D1EAF0972C7B}" type="datetimeFigureOut">
               <a:rPr lang="en-US" smtClean="0"/>
-              <a:t>10/24/2022</a:t>
+              <a:t>10/27/2022</a:t>
             </a:fld>
             <a:endParaRPr lang="en-US"/>
           </a:p>
@@ -35341,7 +35341,7 @@
           <a:p>
             <a:fld id="{74D715C6-21B4-441D-8F6F-D1EAF0972C7B}" type="datetimeFigureOut">
               <a:rPr lang="en-US" smtClean="0"/>
-              <a:t>10/24/2022</a:t>
+              <a:t>10/27/2022</a:t>
             </a:fld>
             <a:endParaRPr lang="en-US"/>
           </a:p>
@@ -35539,7 +35539,7 @@
           <a:p>
             <a:fld id="{74D715C6-21B4-441D-8F6F-D1EAF0972C7B}" type="datetimeFigureOut">
               <a:rPr lang="en-US" smtClean="0"/>
-              <a:t>10/24/2022</a:t>
+              <a:t>10/27/2022</a:t>
             </a:fld>
             <a:endParaRPr lang="en-US"/>
           </a:p>
@@ -35814,7 +35814,7 @@
           <a:p>
             <a:fld id="{74D715C6-21B4-441D-8F6F-D1EAF0972C7B}" type="datetimeFigureOut">
               <a:rPr lang="en-US" smtClean="0"/>
-              <a:t>10/24/2022</a:t>
+              <a:t>10/27/2022</a:t>
             </a:fld>
             <a:endParaRPr lang="en-US"/>
           </a:p>
@@ -36079,7 +36079,7 @@
           <a:p>
             <a:fld id="{74D715C6-21B4-441D-8F6F-D1EAF0972C7B}" type="datetimeFigureOut">
               <a:rPr lang="en-US" smtClean="0"/>
-              <a:t>10/24/2022</a:t>
+              <a:t>10/27/2022</a:t>
             </a:fld>
             <a:endParaRPr lang="en-US"/>
           </a:p>
@@ -36491,7 +36491,7 @@
           <a:p>
             <a:fld id="{74D715C6-21B4-441D-8F6F-D1EAF0972C7B}" type="datetimeFigureOut">
               <a:rPr lang="en-US" smtClean="0"/>
-              <a:t>10/24/2022</a:t>
+              <a:t>10/27/2022</a:t>
             </a:fld>
             <a:endParaRPr lang="en-US"/>
           </a:p>
@@ -36632,7 +36632,7 @@
           <a:p>
             <a:fld id="{74D715C6-21B4-441D-8F6F-D1EAF0972C7B}" type="datetimeFigureOut">
               <a:rPr lang="en-US" smtClean="0"/>
-              <a:t>10/24/2022</a:t>
+              <a:t>10/27/2022</a:t>
             </a:fld>
             <a:endParaRPr lang="en-US"/>
           </a:p>
@@ -36745,7 +36745,7 @@
           <a:p>
             <a:fld id="{74D715C6-21B4-441D-8F6F-D1EAF0972C7B}" type="datetimeFigureOut">
               <a:rPr lang="en-US" smtClean="0"/>
-              <a:t>10/24/2022</a:t>
+              <a:t>10/27/2022</a:t>
             </a:fld>
             <a:endParaRPr lang="en-US"/>
           </a:p>
@@ -37056,7 +37056,7 @@
           <a:p>
             <a:fld id="{74D715C6-21B4-441D-8F6F-D1EAF0972C7B}" type="datetimeFigureOut">
               <a:rPr lang="en-US" smtClean="0"/>
-              <a:t>10/24/2022</a:t>
+              <a:t>10/27/2022</a:t>
             </a:fld>
             <a:endParaRPr lang="en-US"/>
           </a:p>
@@ -37344,7 +37344,7 @@
           <a:p>
             <a:fld id="{74D715C6-21B4-441D-8F6F-D1EAF0972C7B}" type="datetimeFigureOut">
               <a:rPr lang="en-US" smtClean="0"/>
-              <a:t>10/24/2022</a:t>
+              <a:t>10/27/2022</a:t>
             </a:fld>
             <a:endParaRPr lang="en-US"/>
           </a:p>
@@ -37585,7 +37585,7 @@
           <a:p>
             <a:fld id="{74D715C6-21B4-441D-8F6F-D1EAF0972C7B}" type="datetimeFigureOut">
               <a:rPr lang="en-US" smtClean="0"/>
-              <a:t>10/24/2022</a:t>
+              <a:t>10/27/2022</a:t>
             </a:fld>
             <a:endParaRPr lang="en-US"/>
           </a:p>
